--- a/papers/jon_mease/powerpoint/figure_api_example.pptx
+++ b/papers/jon_mease/powerpoint/figure_api_example.pptx
@@ -197,7 +197,7 @@
           <a:p>
             <a:fld id="{EB744DAF-D3FB-1A4B-9587-065CBAC21192}" type="datetimeFigureOut">
               <a:rPr lang="en-US" smtClean="0"/>
-              <a:t>5/21/18</a:t>
+              <a:t>5/22/18</a:t>
             </a:fld>
             <a:endParaRPr lang="en-US" dirty="0"/>
           </a:p>
@@ -684,7 +684,7 @@
           <a:p>
             <a:fld id="{0EA8DB14-899F-AB4A-BAFB-30C9DA23248A}" type="datetimeFigureOut">
               <a:rPr lang="en-US" smtClean="0"/>
-              <a:t>5/21/18</a:t>
+              <a:t>5/22/18</a:t>
             </a:fld>
             <a:endParaRPr lang="en-US" dirty="0"/>
           </a:p>
@@ -854,7 +854,7 @@
           <a:p>
             <a:fld id="{0EA8DB14-899F-AB4A-BAFB-30C9DA23248A}" type="datetimeFigureOut">
               <a:rPr lang="en-US" smtClean="0"/>
-              <a:t>5/21/18</a:t>
+              <a:t>5/22/18</a:t>
             </a:fld>
             <a:endParaRPr lang="en-US" dirty="0"/>
           </a:p>
@@ -1034,7 +1034,7 @@
           <a:p>
             <a:fld id="{0EA8DB14-899F-AB4A-BAFB-30C9DA23248A}" type="datetimeFigureOut">
               <a:rPr lang="en-US" smtClean="0"/>
-              <a:t>5/21/18</a:t>
+              <a:t>5/22/18</a:t>
             </a:fld>
             <a:endParaRPr lang="en-US" dirty="0"/>
           </a:p>
@@ -1204,7 +1204,7 @@
           <a:p>
             <a:fld id="{0EA8DB14-899F-AB4A-BAFB-30C9DA23248A}" type="datetimeFigureOut">
               <a:rPr lang="en-US" smtClean="0"/>
-              <a:t>5/21/18</a:t>
+              <a:t>5/22/18</a:t>
             </a:fld>
             <a:endParaRPr lang="en-US" dirty="0"/>
           </a:p>
@@ -1448,7 +1448,7 @@
           <a:p>
             <a:fld id="{0EA8DB14-899F-AB4A-BAFB-30C9DA23248A}" type="datetimeFigureOut">
               <a:rPr lang="en-US" smtClean="0"/>
-              <a:t>5/21/18</a:t>
+              <a:t>5/22/18</a:t>
             </a:fld>
             <a:endParaRPr lang="en-US" dirty="0"/>
           </a:p>
@@ -1680,7 +1680,7 @@
           <a:p>
             <a:fld id="{0EA8DB14-899F-AB4A-BAFB-30C9DA23248A}" type="datetimeFigureOut">
               <a:rPr lang="en-US" smtClean="0"/>
-              <a:t>5/21/18</a:t>
+              <a:t>5/22/18</a:t>
             </a:fld>
             <a:endParaRPr lang="en-US" dirty="0"/>
           </a:p>
@@ -2047,7 +2047,7 @@
           <a:p>
             <a:fld id="{0EA8DB14-899F-AB4A-BAFB-30C9DA23248A}" type="datetimeFigureOut">
               <a:rPr lang="en-US" smtClean="0"/>
-              <a:t>5/21/18</a:t>
+              <a:t>5/22/18</a:t>
             </a:fld>
             <a:endParaRPr lang="en-US" dirty="0"/>
           </a:p>
@@ -2165,7 +2165,7 @@
           <a:p>
             <a:fld id="{0EA8DB14-899F-AB4A-BAFB-30C9DA23248A}" type="datetimeFigureOut">
               <a:rPr lang="en-US" smtClean="0"/>
-              <a:t>5/21/18</a:t>
+              <a:t>5/22/18</a:t>
             </a:fld>
             <a:endParaRPr lang="en-US" dirty="0"/>
           </a:p>
@@ -2260,7 +2260,7 @@
           <a:p>
             <a:fld id="{0EA8DB14-899F-AB4A-BAFB-30C9DA23248A}" type="datetimeFigureOut">
               <a:rPr lang="en-US" smtClean="0"/>
-              <a:t>5/21/18</a:t>
+              <a:t>5/22/18</a:t>
             </a:fld>
             <a:endParaRPr lang="en-US" dirty="0"/>
           </a:p>
@@ -2537,7 +2537,7 @@
           <a:p>
             <a:fld id="{0EA8DB14-899F-AB4A-BAFB-30C9DA23248A}" type="datetimeFigureOut">
               <a:rPr lang="en-US" smtClean="0"/>
-              <a:t>5/21/18</a:t>
+              <a:t>5/22/18</a:t>
             </a:fld>
             <a:endParaRPr lang="en-US" dirty="0"/>
           </a:p>
@@ -2794,7 +2794,7 @@
           <a:p>
             <a:fld id="{0EA8DB14-899F-AB4A-BAFB-30C9DA23248A}" type="datetimeFigureOut">
               <a:rPr lang="en-US" smtClean="0"/>
-              <a:t>5/21/18</a:t>
+              <a:t>5/22/18</a:t>
             </a:fld>
             <a:endParaRPr lang="en-US" dirty="0"/>
           </a:p>
@@ -3007,7 +3007,7 @@
           <a:p>
             <a:fld id="{0EA8DB14-899F-AB4A-BAFB-30C9DA23248A}" type="datetimeFigureOut">
               <a:rPr lang="en-US" smtClean="0"/>
-              <a:t>5/21/18</a:t>
+              <a:t>5/22/18</a:t>
             </a:fld>
             <a:endParaRPr lang="en-US" dirty="0"/>
           </a:p>
@@ -5542,7 +5542,7 @@
                 <a:ea typeface="Menlo" panose="020B0609030804020204" pitchFamily="49" charset="0"/>
                 <a:cs typeface="Courier New" panose="02070309020205020404" pitchFamily="49" charset="0"/>
               </a:rPr>
-              <a:t>{'data': [</a:t>
+              <a:t>{"data": [</a:t>
             </a:r>
             <a:br>
               <a:rPr lang="en-US" sz="800" dirty="0">
@@ -5557,7 +5557,7 @@
                 <a:ea typeface="Menlo" panose="020B0609030804020204" pitchFamily="49" charset="0"/>
                 <a:cs typeface="Courier New" panose="02070309020205020404" pitchFamily="49" charset="0"/>
               </a:rPr>
-              <a:t>    {'type': 'bar',</a:t>
+              <a:t>    {"type": "bar",</a:t>
             </a:r>
             <a:br>
               <a:rPr lang="en-US" sz="800" dirty="0">
@@ -5572,7 +5572,7 @@
                 <a:ea typeface="Menlo" panose="020B0609030804020204" pitchFamily="49" charset="0"/>
                 <a:cs typeface="Courier New" panose="02070309020205020404" pitchFamily="49" charset="0"/>
               </a:rPr>
-              <a:t>     'y': [2, 3, 1]}],</a:t>
+              <a:t>     "y": [2, 3, 1]}],</a:t>
             </a:r>
             <a:br>
               <a:rPr lang="en-US" sz="800" dirty="0">
@@ -5587,7 +5587,7 @@
                 <a:ea typeface="Menlo" panose="020B0609030804020204" pitchFamily="49" charset="0"/>
                 <a:cs typeface="Courier New" panose="02070309020205020404" pitchFamily="49" charset="0"/>
               </a:rPr>
-              <a:t> 'layout': {}}</a:t>
+              <a:t> "layout": {}}</a:t>
             </a:r>
           </a:p>
         </p:txBody>
@@ -5625,7 +5625,7 @@
                 <a:ea typeface="Menlo" panose="020B0609030804020204" pitchFamily="49" charset="0"/>
                 <a:cs typeface="Courier New" panose="02070309020205020404" pitchFamily="49" charset="0"/>
               </a:rPr>
-              <a:t>{'data': [</a:t>
+              <a:t>{"data": [</a:t>
             </a:r>
             <a:br>
               <a:rPr lang="en-US" sz="800" dirty="0">
@@ -5640,7 +5640,7 @@
                 <a:ea typeface="Menlo" panose="020B0609030804020204" pitchFamily="49" charset="0"/>
                 <a:cs typeface="Courier New" panose="02070309020205020404" pitchFamily="49" charset="0"/>
               </a:rPr>
-              <a:t>    {'type': 'bar',</a:t>
+              <a:t>    {"type": "bar",</a:t>
             </a:r>
             <a:br>
               <a:rPr lang="en-US" sz="800" dirty="0">
@@ -5655,7 +5655,7 @@
                 <a:ea typeface="Menlo" panose="020B0609030804020204" pitchFamily="49" charset="0"/>
                 <a:cs typeface="Courier New" panose="02070309020205020404" pitchFamily="49" charset="0"/>
               </a:rPr>
-              <a:t>     'y': [2, 3, 1]}],</a:t>
+              <a:t>     "y": [2, 3, 1]}],</a:t>
             </a:r>
             <a:br>
               <a:rPr lang="en-US" sz="800" dirty="0">
@@ -5670,17 +5670,33 @@
                 <a:ea typeface="Menlo" panose="020B0609030804020204" pitchFamily="49" charset="0"/>
                 <a:cs typeface="Courier New" panose="02070309020205020404" pitchFamily="49" charset="0"/>
               </a:rPr>
-              <a:t> 'layout': {'xaxis':</a:t>
-            </a:r>
-          </a:p>
-          <a:p>
-            <a:r>
-              <a:rPr lang="en-US" sz="800" dirty="0">
-                <a:latin typeface="Courier New" panose="02070309020205020404" pitchFamily="49" charset="0"/>
-                <a:ea typeface="Menlo" panose="020B0609030804020204" pitchFamily="49" charset="0"/>
-                <a:cs typeface="Courier New" panose="02070309020205020404" pitchFamily="49" charset="0"/>
-              </a:rPr>
-              <a:t>            {'range': [-1, 3]}}}</a:t>
+              <a:t> "layout": {"</a:t>
+            </a:r>
+            <a:r>
+              <a:rPr lang="en-US" sz="800" dirty="0" err="1">
+                <a:latin typeface="Courier New" panose="02070309020205020404" pitchFamily="49" charset="0"/>
+                <a:ea typeface="Menlo" panose="020B0609030804020204" pitchFamily="49" charset="0"/>
+                <a:cs typeface="Courier New" panose="02070309020205020404" pitchFamily="49" charset="0"/>
+              </a:rPr>
+              <a:t>xaxis</a:t>
+            </a:r>
+            <a:r>
+              <a:rPr lang="en-US" sz="800" dirty="0">
+                <a:latin typeface="Courier New" panose="02070309020205020404" pitchFamily="49" charset="0"/>
+                <a:ea typeface="Menlo" panose="020B0609030804020204" pitchFamily="49" charset="0"/>
+                <a:cs typeface="Courier New" panose="02070309020205020404" pitchFamily="49" charset="0"/>
+              </a:rPr>
+              <a:t>":</a:t>
+            </a:r>
+          </a:p>
+          <a:p>
+            <a:r>
+              <a:rPr lang="en-US" sz="800" dirty="0">
+                <a:latin typeface="Courier New" panose="02070309020205020404" pitchFamily="49" charset="0"/>
+                <a:ea typeface="Menlo" panose="020B0609030804020204" pitchFamily="49" charset="0"/>
+                <a:cs typeface="Courier New" panose="02070309020205020404" pitchFamily="49" charset="0"/>
+              </a:rPr>
+              <a:t>            {"range": [-1, 3]}}}</a:t>
             </a:r>
           </a:p>
         </p:txBody>
@@ -5718,7 +5734,7 @@
                 <a:ea typeface="Menlo" panose="020B0609030804020204" pitchFamily="49" charset="0"/>
                 <a:cs typeface="Courier New" panose="02070309020205020404" pitchFamily="49" charset="0"/>
               </a:rPr>
-              <a:t>{'data': [</a:t>
+              <a:t>{"data": [</a:t>
             </a:r>
             <a:br>
               <a:rPr lang="en-US" sz="800" dirty="0">
@@ -5733,7 +5749,7 @@
                 <a:ea typeface="Menlo" panose="020B0609030804020204" pitchFamily="49" charset="0"/>
                 <a:cs typeface="Courier New" panose="02070309020205020404" pitchFamily="49" charset="0"/>
               </a:rPr>
-              <a:t>    {'type': 'bar',</a:t>
+              <a:t>    {"type": "bar",</a:t>
             </a:r>
             <a:br>
               <a:rPr lang="en-US" sz="800" dirty="0">
@@ -5748,7 +5764,7 @@
                 <a:ea typeface="Menlo" panose="020B0609030804020204" pitchFamily="49" charset="0"/>
                 <a:cs typeface="Courier New" panose="02070309020205020404" pitchFamily="49" charset="0"/>
               </a:rPr>
-              <a:t>     'y': [2, 3, 1]},</a:t>
+              <a:t>     "y": [2, 3, 1]},</a:t>
             </a:r>
             <a:br>
               <a:rPr lang="en-US" sz="800" dirty="0">
@@ -5763,7 +5779,7 @@
                 <a:ea typeface="Menlo" panose="020B0609030804020204" pitchFamily="49" charset="0"/>
                 <a:cs typeface="Courier New" panose="02070309020205020404" pitchFamily="49" charset="0"/>
               </a:rPr>
-              <a:t>    {'type': 'scatter',</a:t>
+              <a:t>    {"type": "scatter",</a:t>
             </a:r>
             <a:br>
               <a:rPr lang="en-US" sz="800" dirty="0">
@@ -5778,7 +5794,7 @@
                 <a:ea typeface="Menlo" panose="020B0609030804020204" pitchFamily="49" charset="0"/>
                 <a:cs typeface="Courier New" panose="02070309020205020404" pitchFamily="49" charset="0"/>
               </a:rPr>
-              <a:t>     'y': [3, 1, 2]}],</a:t>
+              <a:t>     "y": [3, 1, 2]}],</a:t>
             </a:r>
             <a:br>
               <a:rPr lang="en-US" sz="800" dirty="0">
@@ -5793,17 +5809,33 @@
                 <a:ea typeface="Menlo" panose="020B0609030804020204" pitchFamily="49" charset="0"/>
                 <a:cs typeface="Courier New" panose="02070309020205020404" pitchFamily="49" charset="0"/>
               </a:rPr>
-              <a:t> 'layout': {'xaxis':</a:t>
-            </a:r>
-          </a:p>
-          <a:p>
-            <a:r>
-              <a:rPr lang="en-US" sz="800" dirty="0">
-                <a:latin typeface="Courier New" panose="02070309020205020404" pitchFamily="49" charset="0"/>
-                <a:ea typeface="Menlo" panose="020B0609030804020204" pitchFamily="49" charset="0"/>
-                <a:cs typeface="Courier New" panose="02070309020205020404" pitchFamily="49" charset="0"/>
-              </a:rPr>
-              <a:t>            {'range': [-1, 3]}}}</a:t>
+              <a:t> "layout": {"</a:t>
+            </a:r>
+            <a:r>
+              <a:rPr lang="en-US" sz="800" dirty="0" err="1">
+                <a:latin typeface="Courier New" panose="02070309020205020404" pitchFamily="49" charset="0"/>
+                <a:ea typeface="Menlo" panose="020B0609030804020204" pitchFamily="49" charset="0"/>
+                <a:cs typeface="Courier New" panose="02070309020205020404" pitchFamily="49" charset="0"/>
+              </a:rPr>
+              <a:t>xaxis</a:t>
+            </a:r>
+            <a:r>
+              <a:rPr lang="en-US" sz="800" dirty="0">
+                <a:latin typeface="Courier New" panose="02070309020205020404" pitchFamily="49" charset="0"/>
+                <a:ea typeface="Menlo" panose="020B0609030804020204" pitchFamily="49" charset="0"/>
+                <a:cs typeface="Courier New" panose="02070309020205020404" pitchFamily="49" charset="0"/>
+              </a:rPr>
+              <a:t>":</a:t>
+            </a:r>
+          </a:p>
+          <a:p>
+            <a:r>
+              <a:rPr lang="en-US" sz="800" dirty="0">
+                <a:latin typeface="Courier New" panose="02070309020205020404" pitchFamily="49" charset="0"/>
+                <a:ea typeface="Menlo" panose="020B0609030804020204" pitchFamily="49" charset="0"/>
+                <a:cs typeface="Courier New" panose="02070309020205020404" pitchFamily="49" charset="0"/>
+              </a:rPr>
+              <a:t>            {"range": [-1, 3]}}}</a:t>
             </a:r>
           </a:p>
         </p:txBody>
@@ -5822,8 +5854,8 @@
         </p:nvSpPr>
         <p:spPr>
           <a:xfrm>
-            <a:off x="2864485" y="3606848"/>
-            <a:ext cx="2430869" cy="1569660"/>
+            <a:off x="2864485" y="3674150"/>
+            <a:ext cx="2430869" cy="1446550"/>
           </a:xfrm>
           <a:prstGeom prst="rect">
             <a:avLst/>
@@ -5841,7 +5873,7 @@
                 <a:ea typeface="Menlo" panose="020B0609030804020204" pitchFamily="49" charset="0"/>
                 <a:cs typeface="Courier New" panose="02070309020205020404" pitchFamily="49" charset="0"/>
               </a:rPr>
-              <a:t>{'data': [</a:t>
+              <a:t>{"data": [</a:t>
             </a:r>
             <a:br>
               <a:rPr lang="en-US" sz="800" dirty="0">
@@ -5856,7 +5888,7 @@
                 <a:ea typeface="Menlo" panose="020B0609030804020204" pitchFamily="49" charset="0"/>
                 <a:cs typeface="Courier New" panose="02070309020205020404" pitchFamily="49" charset="0"/>
               </a:rPr>
-              <a:t>    {'type': 'bar',</a:t>
+              <a:t>    {"type": "bar",</a:t>
             </a:r>
             <a:br>
               <a:rPr lang="en-US" sz="800" dirty="0">
@@ -5871,7 +5903,7 @@
                 <a:ea typeface="Menlo" panose="020B0609030804020204" pitchFamily="49" charset="0"/>
                 <a:cs typeface="Courier New" panose="02070309020205020404" pitchFamily="49" charset="0"/>
               </a:rPr>
-              <a:t>     'y': [2, 3, 1],</a:t>
+              <a:t>     "y": [2, 3, 1],</a:t>
             </a:r>
             <a:br>
               <a:rPr lang="en-US" sz="800" dirty="0">
@@ -5886,7 +5918,7 @@
                 <a:ea typeface="Menlo" panose="020B0609030804020204" pitchFamily="49" charset="0"/>
                 <a:cs typeface="Courier New" panose="02070309020205020404" pitchFamily="49" charset="0"/>
               </a:rPr>
-              <a:t>     'name': 'A',},</a:t>
+              <a:t>     "name": "A"},</a:t>
             </a:r>
             <a:br>
               <a:rPr lang="en-US" sz="800" dirty="0">
@@ -5901,7 +5933,7 @@
                 <a:ea typeface="Menlo" panose="020B0609030804020204" pitchFamily="49" charset="0"/>
                 <a:cs typeface="Courier New" panose="02070309020205020404" pitchFamily="49" charset="0"/>
               </a:rPr>
-              <a:t>    {'type': 'scatter',</a:t>
+              <a:t>    {'type": "scatter",</a:t>
             </a:r>
             <a:br>
               <a:rPr lang="en-US" sz="800" dirty="0">
@@ -5916,15 +5948,7 @@
                 <a:ea typeface="Menlo" panose="020B0609030804020204" pitchFamily="49" charset="0"/>
                 <a:cs typeface="Courier New" panose="02070309020205020404" pitchFamily="49" charset="0"/>
               </a:rPr>
-              <a:t>     'y': [3, 1, </a:t>
-            </a:r>
-            <a:r>
-              <a:rPr lang="en-US" sz="800">
-                <a:latin typeface="Courier New" panose="02070309020205020404" pitchFamily="49" charset="0"/>
-                <a:ea typeface="Menlo" panose="020B0609030804020204" pitchFamily="49" charset="0"/>
-                <a:cs typeface="Courier New" panose="02070309020205020404" pitchFamily="49" charset="0"/>
-              </a:rPr>
-              <a:t>2],</a:t>
+              <a:t>     "y": [3, 1, 2],</a:t>
             </a:r>
             <a:br>
               <a:rPr lang="en-US" sz="800" dirty="0">
@@ -5939,7 +5963,7 @@
                 <a:ea typeface="Menlo" panose="020B0609030804020204" pitchFamily="49" charset="0"/>
                 <a:cs typeface="Courier New" panose="02070309020205020404" pitchFamily="49" charset="0"/>
               </a:rPr>
-              <a:t>     'name': 'B',</a:t>
+              <a:t>     "name": "B",</a:t>
             </a:r>
             <a:br>
               <a:rPr lang="en-US" sz="800" dirty="0">
@@ -5954,7 +5978,7 @@
                 <a:ea typeface="Menlo" panose="020B0609030804020204" pitchFamily="49" charset="0"/>
                 <a:cs typeface="Courier New" panose="02070309020205020404" pitchFamily="49" charset="0"/>
               </a:rPr>
-              <a:t>     'marker': {'size': 12},</a:t>
+              <a:t>     "marker": {"size": 12}}],</a:t>
             </a:r>
             <a:br>
               <a:rPr lang="en-US" sz="800" dirty="0">
@@ -5969,7 +5993,23 @@
                 <a:ea typeface="Menlo" panose="020B0609030804020204" pitchFamily="49" charset="0"/>
                 <a:cs typeface="Courier New" panose="02070309020205020404" pitchFamily="49" charset="0"/>
               </a:rPr>
-              <a:t>    }],</a:t>
+              <a:t>"layout": {"</a:t>
+            </a:r>
+            <a:r>
+              <a:rPr lang="en-US" sz="800" dirty="0" err="1">
+                <a:latin typeface="Courier New" panose="02070309020205020404" pitchFamily="49" charset="0"/>
+                <a:ea typeface="Menlo" panose="020B0609030804020204" pitchFamily="49" charset="0"/>
+                <a:cs typeface="Courier New" panose="02070309020205020404" pitchFamily="49" charset="0"/>
+              </a:rPr>
+              <a:t>xaxis</a:t>
+            </a:r>
+            <a:r>
+              <a:rPr lang="en-US" sz="800" dirty="0">
+                <a:latin typeface="Courier New" panose="02070309020205020404" pitchFamily="49" charset="0"/>
+                <a:ea typeface="Menlo" panose="020B0609030804020204" pitchFamily="49" charset="0"/>
+                <a:cs typeface="Courier New" panose="02070309020205020404" pitchFamily="49" charset="0"/>
+              </a:rPr>
+              <a:t>":</a:t>
             </a:r>
             <a:br>
               <a:rPr lang="en-US" sz="800" dirty="0">
@@ -5984,7 +6024,7 @@
                 <a:ea typeface="Menlo" panose="020B0609030804020204" pitchFamily="49" charset="0"/>
                 <a:cs typeface="Courier New" panose="02070309020205020404" pitchFamily="49" charset="0"/>
               </a:rPr>
-              <a:t>'layout': {'xaxis':</a:t>
+              <a:t>           {"range": [-1, 3],</a:t>
             </a:r>
             <a:br>
               <a:rPr lang="en-US" sz="800" dirty="0">
@@ -5999,22 +6039,23 @@
                 <a:ea typeface="Menlo" panose="020B0609030804020204" pitchFamily="49" charset="0"/>
                 <a:cs typeface="Courier New" panose="02070309020205020404" pitchFamily="49" charset="0"/>
               </a:rPr>
-              <a:t>           {'range': [-1, 3],</a:t>
-            </a:r>
-            <a:br>
-              <a:rPr lang="en-US" sz="800" dirty="0">
-                <a:latin typeface="Courier New" panose="02070309020205020404" pitchFamily="49" charset="0"/>
-                <a:ea typeface="Menlo" panose="020B0609030804020204" pitchFamily="49" charset="0"/>
-                <a:cs typeface="Courier New" panose="02070309020205020404" pitchFamily="49" charset="0"/>
-              </a:rPr>
-            </a:br>
-            <a:r>
-              <a:rPr lang="en-US" sz="800" dirty="0">
-                <a:latin typeface="Courier New" panose="02070309020205020404" pitchFamily="49" charset="0"/>
-                <a:ea typeface="Menlo" panose="020B0609030804020204" pitchFamily="49" charset="0"/>
-                <a:cs typeface="Courier New" panose="02070309020205020404" pitchFamily="49" charset="0"/>
-              </a:rPr>
-              <a:t>            'tickvals': [0, 1, 2]}}}</a:t>
+              <a:t>            "</a:t>
+            </a:r>
+            <a:r>
+              <a:rPr lang="en-US" sz="800" dirty="0" err="1">
+                <a:latin typeface="Courier New" panose="02070309020205020404" pitchFamily="49" charset="0"/>
+                <a:ea typeface="Menlo" panose="020B0609030804020204" pitchFamily="49" charset="0"/>
+                <a:cs typeface="Courier New" panose="02070309020205020404" pitchFamily="49" charset="0"/>
+              </a:rPr>
+              <a:t>tickvals</a:t>
+            </a:r>
+            <a:r>
+              <a:rPr lang="en-US" sz="800" dirty="0">
+                <a:latin typeface="Courier New" panose="02070309020205020404" pitchFamily="49" charset="0"/>
+                <a:ea typeface="Menlo" panose="020B0609030804020204" pitchFamily="49" charset="0"/>
+                <a:cs typeface="Courier New" panose="02070309020205020404" pitchFamily="49" charset="0"/>
+              </a:rPr>
+              <a:t>": [0, 1, 2]}}}</a:t>
             </a:r>
           </a:p>
         </p:txBody>
@@ -6052,7 +6093,7 @@
                 <a:ea typeface="Menlo" panose="020B0609030804020204" pitchFamily="49" charset="0"/>
                 <a:cs typeface="Courier New" panose="02070309020205020404" pitchFamily="49" charset="0"/>
               </a:rPr>
-              <a:t>{'data': [</a:t>
+              <a:t>{"data": [</a:t>
             </a:r>
             <a:br>
               <a:rPr lang="en-US" sz="800" dirty="0">
@@ -6067,7 +6108,7 @@
                 <a:ea typeface="Menlo" panose="020B0609030804020204" pitchFamily="49" charset="0"/>
                 <a:cs typeface="Courier New" panose="02070309020205020404" pitchFamily="49" charset="0"/>
               </a:rPr>
-              <a:t>    {'type': 'scatter', ...},</a:t>
+              <a:t>    {"type": "scatter", ...},</a:t>
             </a:r>
             <a:br>
               <a:rPr lang="en-US" sz="800" dirty="0">
@@ -6082,7 +6123,7 @@
                 <a:ea typeface="Menlo" panose="020B0609030804020204" pitchFamily="49" charset="0"/>
                 <a:cs typeface="Courier New" panose="02070309020205020404" pitchFamily="49" charset="0"/>
               </a:rPr>
-              <a:t>    {'type': 'bar', ...}],</a:t>
+              <a:t>    {"type": "bar", ...}],</a:t>
             </a:r>
             <a:br>
               <a:rPr lang="en-US" sz="800" dirty="0">
@@ -6097,7 +6138,23 @@
                 <a:ea typeface="Menlo" panose="020B0609030804020204" pitchFamily="49" charset="0"/>
                 <a:cs typeface="Courier New" panose="02070309020205020404" pitchFamily="49" charset="0"/>
               </a:rPr>
-              <a:t> 'layout': {'xaxis':</a:t>
+              <a:t> "layout": {"</a:t>
+            </a:r>
+            <a:r>
+              <a:rPr lang="en-US" sz="800" dirty="0" err="1">
+                <a:latin typeface="Courier New" panose="02070309020205020404" pitchFamily="49" charset="0"/>
+                <a:ea typeface="Menlo" panose="020B0609030804020204" pitchFamily="49" charset="0"/>
+                <a:cs typeface="Courier New" panose="02070309020205020404" pitchFamily="49" charset="0"/>
+              </a:rPr>
+              <a:t>xaxis</a:t>
+            </a:r>
+            <a:r>
+              <a:rPr lang="en-US" sz="800" dirty="0">
+                <a:latin typeface="Courier New" panose="02070309020205020404" pitchFamily="49" charset="0"/>
+                <a:ea typeface="Menlo" panose="020B0609030804020204" pitchFamily="49" charset="0"/>
+                <a:cs typeface="Courier New" panose="02070309020205020404" pitchFamily="49" charset="0"/>
+              </a:rPr>
+              <a:t>":</a:t>
             </a:r>
             <a:br>
               <a:rPr lang="en-US" sz="800" dirty="0">
@@ -6112,7 +6169,7 @@
                 <a:ea typeface="Menlo" panose="020B0609030804020204" pitchFamily="49" charset="0"/>
                 <a:cs typeface="Courier New" panose="02070309020205020404" pitchFamily="49" charset="0"/>
               </a:rPr>
-              <a:t>            {'range': [-1, 3],</a:t>
+              <a:t>            {"range": [-1, 3],</a:t>
             </a:r>
             <a:br>
               <a:rPr lang="en-US" sz="800" dirty="0">
@@ -6127,7 +6184,23 @@
                 <a:ea typeface="Menlo" panose="020B0609030804020204" pitchFamily="49" charset="0"/>
                 <a:cs typeface="Courier New" panose="02070309020205020404" pitchFamily="49" charset="0"/>
               </a:rPr>
-              <a:t>             'tickvals': [0, 1, 2]}}}</a:t>
+              <a:t>             "</a:t>
+            </a:r>
+            <a:r>
+              <a:rPr lang="en-US" sz="800" dirty="0" err="1">
+                <a:latin typeface="Courier New" panose="02070309020205020404" pitchFamily="49" charset="0"/>
+                <a:ea typeface="Menlo" panose="020B0609030804020204" pitchFamily="49" charset="0"/>
+                <a:cs typeface="Courier New" panose="02070309020205020404" pitchFamily="49" charset="0"/>
+              </a:rPr>
+              <a:t>tickvals</a:t>
+            </a:r>
+            <a:r>
+              <a:rPr lang="en-US" sz="800" dirty="0">
+                <a:latin typeface="Courier New" panose="02070309020205020404" pitchFamily="49" charset="0"/>
+                <a:ea typeface="Menlo" panose="020B0609030804020204" pitchFamily="49" charset="0"/>
+                <a:cs typeface="Courier New" panose="02070309020205020404" pitchFamily="49" charset="0"/>
+              </a:rPr>
+              <a:t>": [0, 1, 2]}}}</a:t>
             </a:r>
           </a:p>
         </p:txBody>
@@ -6165,7 +6238,7 @@
                 <a:ea typeface="Menlo" panose="020B0609030804020204" pitchFamily="49" charset="0"/>
                 <a:cs typeface="Courier New" panose="02070309020205020404" pitchFamily="49" charset="0"/>
               </a:rPr>
-              <a:t>{'data': [</a:t>
+              <a:t>{"data": [</a:t>
             </a:r>
             <a:br>
               <a:rPr lang="en-US" sz="800" dirty="0">
@@ -6180,7 +6253,7 @@
                 <a:ea typeface="Menlo" panose="020B0609030804020204" pitchFamily="49" charset="0"/>
                 <a:cs typeface="Courier New" panose="02070309020205020404" pitchFamily="49" charset="0"/>
               </a:rPr>
-              <a:t>    {'type': 'scatter', ...}],</a:t>
+              <a:t>    {"type": "scatter", ...}],</a:t>
             </a:r>
             <a:br>
               <a:rPr lang="en-US" sz="800" dirty="0">
@@ -6195,7 +6268,23 @@
                 <a:ea typeface="Menlo" panose="020B0609030804020204" pitchFamily="49" charset="0"/>
                 <a:cs typeface="Courier New" panose="02070309020205020404" pitchFamily="49" charset="0"/>
               </a:rPr>
-              <a:t> 'layout': {'xaxis':</a:t>
+              <a:t> "layout": {"</a:t>
+            </a:r>
+            <a:r>
+              <a:rPr lang="en-US" sz="800" dirty="0" err="1">
+                <a:latin typeface="Courier New" panose="02070309020205020404" pitchFamily="49" charset="0"/>
+                <a:ea typeface="Menlo" panose="020B0609030804020204" pitchFamily="49" charset="0"/>
+                <a:cs typeface="Courier New" panose="02070309020205020404" pitchFamily="49" charset="0"/>
+              </a:rPr>
+              <a:t>xaxis</a:t>
+            </a:r>
+            <a:r>
+              <a:rPr lang="en-US" sz="800" dirty="0">
+                <a:latin typeface="Courier New" panose="02070309020205020404" pitchFamily="49" charset="0"/>
+                <a:ea typeface="Menlo" panose="020B0609030804020204" pitchFamily="49" charset="0"/>
+                <a:cs typeface="Courier New" panose="02070309020205020404" pitchFamily="49" charset="0"/>
+              </a:rPr>
+              <a:t>":</a:t>
             </a:r>
             <a:br>
               <a:rPr lang="en-US" sz="800" dirty="0">
@@ -6210,7 +6299,7 @@
                 <a:ea typeface="Menlo" panose="020B0609030804020204" pitchFamily="49" charset="0"/>
                 <a:cs typeface="Courier New" panose="02070309020205020404" pitchFamily="49" charset="0"/>
               </a:rPr>
-              <a:t>            {'range': [-1, 3],</a:t>
+              <a:t>            {"range": [-1, 3],</a:t>
             </a:r>
             <a:br>
               <a:rPr lang="en-US" sz="800" dirty="0">
@@ -6225,7 +6314,23 @@
                 <a:ea typeface="Menlo" panose="020B0609030804020204" pitchFamily="49" charset="0"/>
                 <a:cs typeface="Courier New" panose="02070309020205020404" pitchFamily="49" charset="0"/>
               </a:rPr>
-              <a:t>             'tickvals': [0, 1, 2]}}}</a:t>
+              <a:t>             "</a:t>
+            </a:r>
+            <a:r>
+              <a:rPr lang="en-US" sz="800" dirty="0" err="1">
+                <a:latin typeface="Courier New" panose="02070309020205020404" pitchFamily="49" charset="0"/>
+                <a:ea typeface="Menlo" panose="020B0609030804020204" pitchFamily="49" charset="0"/>
+                <a:cs typeface="Courier New" panose="02070309020205020404" pitchFamily="49" charset="0"/>
+              </a:rPr>
+              <a:t>tickvals</a:t>
+            </a:r>
+            <a:r>
+              <a:rPr lang="en-US" sz="800" dirty="0">
+                <a:latin typeface="Courier New" panose="02070309020205020404" pitchFamily="49" charset="0"/>
+                <a:ea typeface="Menlo" panose="020B0609030804020204" pitchFamily="49" charset="0"/>
+                <a:cs typeface="Courier New" panose="02070309020205020404" pitchFamily="49" charset="0"/>
+              </a:rPr>
+              <a:t>": [0, 1, 2]}}}</a:t>
             </a:r>
           </a:p>
         </p:txBody>
@@ -6263,7 +6368,7 @@
                 <a:ea typeface="Menlo" panose="020B0609030804020204" pitchFamily="49" charset="0"/>
                 <a:cs typeface="Courier New" panose="02070309020205020404" pitchFamily="49" charset="0"/>
               </a:rPr>
-              <a:t>{'data': [</a:t>
+              <a:t>{"data": [</a:t>
             </a:r>
             <a:br>
               <a:rPr lang="en-US" sz="800" dirty="0">
@@ -6278,7 +6383,7 @@
                 <a:ea typeface="Menlo" panose="020B0609030804020204" pitchFamily="49" charset="0"/>
                 <a:cs typeface="Courier New" panose="02070309020205020404" pitchFamily="49" charset="0"/>
               </a:rPr>
-              <a:t>    {'type': 'scatter', ...}],</a:t>
+              <a:t>    {"type": "scatter", ...}],</a:t>
             </a:r>
             <a:br>
               <a:rPr lang="en-US" sz="800" dirty="0">
@@ -6293,7 +6398,23 @@
                 <a:ea typeface="Menlo" panose="020B0609030804020204" pitchFamily="49" charset="0"/>
                 <a:cs typeface="Courier New" panose="02070309020205020404" pitchFamily="49" charset="0"/>
               </a:rPr>
-              <a:t> 'layout': {'xaxis':</a:t>
+              <a:t> "layout": {"</a:t>
+            </a:r>
+            <a:r>
+              <a:rPr lang="en-US" sz="800" dirty="0" err="1">
+                <a:latin typeface="Courier New" panose="02070309020205020404" pitchFamily="49" charset="0"/>
+                <a:ea typeface="Menlo" panose="020B0609030804020204" pitchFamily="49" charset="0"/>
+                <a:cs typeface="Courier New" panose="02070309020205020404" pitchFamily="49" charset="0"/>
+              </a:rPr>
+              <a:t>xaxis</a:t>
+            </a:r>
+            <a:r>
+              <a:rPr lang="en-US" sz="800" dirty="0">
+                <a:latin typeface="Courier New" panose="02070309020205020404" pitchFamily="49" charset="0"/>
+                <a:ea typeface="Menlo" panose="020B0609030804020204" pitchFamily="49" charset="0"/>
+                <a:cs typeface="Courier New" panose="02070309020205020404" pitchFamily="49" charset="0"/>
+              </a:rPr>
+              <a:t>":</a:t>
             </a:r>
             <a:br>
               <a:rPr lang="en-US" sz="800" dirty="0">
@@ -6308,7 +6429,7 @@
                 <a:ea typeface="Menlo" panose="020B0609030804020204" pitchFamily="49" charset="0"/>
                 <a:cs typeface="Courier New" panose="02070309020205020404" pitchFamily="49" charset="0"/>
               </a:rPr>
-              <a:t>            {'range': [-1, 3],</a:t>
+              <a:t>            {"range": [-1, 3],</a:t>
             </a:r>
             <a:br>
               <a:rPr lang="en-US" sz="800" dirty="0">
@@ -6323,7 +6444,23 @@
                 <a:ea typeface="Menlo" panose="020B0609030804020204" pitchFamily="49" charset="0"/>
                 <a:cs typeface="Courier New" panose="02070309020205020404" pitchFamily="49" charset="0"/>
               </a:rPr>
-              <a:t>             'tickvals': [0, 1, 2]},</a:t>
+              <a:t>             "</a:t>
+            </a:r>
+            <a:r>
+              <a:rPr lang="en-US" sz="800" dirty="0" err="1">
+                <a:latin typeface="Courier New" panose="02070309020205020404" pitchFamily="49" charset="0"/>
+                <a:ea typeface="Menlo" panose="020B0609030804020204" pitchFamily="49" charset="0"/>
+                <a:cs typeface="Courier New" panose="02070309020205020404" pitchFamily="49" charset="0"/>
+              </a:rPr>
+              <a:t>tickvals</a:t>
+            </a:r>
+            <a:r>
+              <a:rPr lang="en-US" sz="800" dirty="0">
+                <a:latin typeface="Courier New" panose="02070309020205020404" pitchFamily="49" charset="0"/>
+                <a:ea typeface="Menlo" panose="020B0609030804020204" pitchFamily="49" charset="0"/>
+                <a:cs typeface="Courier New" panose="02070309020205020404" pitchFamily="49" charset="0"/>
+              </a:rPr>
+              <a:t>": [0, 1, 2]},</a:t>
             </a:r>
             <a:br>
               <a:rPr lang="en-US" sz="800" dirty="0">
@@ -6338,7 +6475,23 @@
                 <a:ea typeface="Menlo" panose="020B0609030804020204" pitchFamily="49" charset="0"/>
                 <a:cs typeface="Courier New" panose="02070309020205020404" pitchFamily="49" charset="0"/>
               </a:rPr>
-              <a:t>            'yaxis':</a:t>
+              <a:t>            "</a:t>
+            </a:r>
+            <a:r>
+              <a:rPr lang="en-US" sz="800" dirty="0" err="1">
+                <a:latin typeface="Courier New" panose="02070309020205020404" pitchFamily="49" charset="0"/>
+                <a:ea typeface="Menlo" panose="020B0609030804020204" pitchFamily="49" charset="0"/>
+                <a:cs typeface="Courier New" panose="02070309020205020404" pitchFamily="49" charset="0"/>
+              </a:rPr>
+              <a:t>yaxis</a:t>
+            </a:r>
+            <a:r>
+              <a:rPr lang="en-US" sz="800" dirty="0">
+                <a:latin typeface="Courier New" panose="02070309020205020404" pitchFamily="49" charset="0"/>
+                <a:ea typeface="Menlo" panose="020B0609030804020204" pitchFamily="49" charset="0"/>
+                <a:cs typeface="Courier New" panose="02070309020205020404" pitchFamily="49" charset="0"/>
+              </a:rPr>
+              <a:t>":</a:t>
             </a:r>
             <a:br>
               <a:rPr lang="en-US" sz="800" dirty="0">
@@ -6353,7 +6506,7 @@
                 <a:ea typeface="Menlo" panose="020B0609030804020204" pitchFamily="49" charset="0"/>
                 <a:cs typeface="Courier New" panose="02070309020205020404" pitchFamily="49" charset="0"/>
               </a:rPr>
-              <a:t>            {'range': [-3, 5]}}</a:t>
+              <a:t>            {"range": [-3, 5]}}</a:t>
             </a:r>
           </a:p>
         </p:txBody>
